--- a/pages/harug-files/2021-07-07/2021-07-07-Bootcamp-launch.pptx
+++ b/pages/harug-files/2021-07-07/2021-07-07-Bootcamp-launch.pptx
@@ -293,7 +293,7 @@
           <a:p>
             <a:fld id="{1D8BD707-D9CF-40AE-B4C6-C98DA3205C09}" type="datetimeFigureOut">
               <a:rPr lang="en-US"/>
-              <a:t>2021-07-07</a:t>
+              <a:t>2021-07-21</a:t>
             </a:fld>
             <a:endParaRPr lang="en-US"/>
           </a:p>
@@ -470,7 +470,7 @@
           <a:p>
             <a:fld id="{1D8BD707-D9CF-40AE-B4C6-C98DA3205C09}" type="datetimeFigureOut">
               <a:rPr lang="en-US"/>
-              <a:t>2021-07-07</a:t>
+              <a:t>2021-07-21</a:t>
             </a:fld>
             <a:endParaRPr lang="en-US"/>
           </a:p>
@@ -756,7 +756,7 @@
           <a:p>
             <a:fld id="{1D8BD707-D9CF-40AE-B4C6-C98DA3205C09}" type="datetimeFigureOut">
               <a:rPr lang="en-US"/>
-              <a:t>2021-07-07</a:t>
+              <a:t>2021-07-21</a:t>
             </a:fld>
             <a:endParaRPr lang="en-US"/>
           </a:p>
@@ -904,7 +904,7 @@
           <a:p>
             <a:fld id="{1D8BD707-D9CF-40AE-B4C6-C98DA3205C09}" type="datetimeFigureOut">
               <a:rPr lang="en-US"/>
-              <a:t>2021-07-07</a:t>
+              <a:t>2021-07-21</a:t>
             </a:fld>
             <a:endParaRPr lang="en-US"/>
           </a:p>
@@ -1023,7 +1023,7 @@
           <a:p>
             <a:fld id="{1D8BD707-D9CF-40AE-B4C6-C98DA3205C09}" type="datetimeFigureOut">
               <a:rPr lang="en-US"/>
-              <a:t>2021-07-07</a:t>
+              <a:t>2021-07-21</a:t>
             </a:fld>
             <a:endParaRPr lang="en-US"/>
           </a:p>
@@ -1273,7 +1273,7 @@
           <a:p>
             <a:fld id="{1D8BD707-D9CF-40AE-B4C6-C98DA3205C09}" type="datetimeFigureOut">
               <a:rPr lang="en-US"/>
-              <a:t>2021-07-07</a:t>
+              <a:t>2021-07-21</a:t>
             </a:fld>
             <a:endParaRPr lang="en-US"/>
           </a:p>
@@ -1923,7 +1923,7 @@
                 </a:solidFill>
                 <a:effectLst/>
               </a:rPr>
-              <a:t>Moduel 3</a:t>
+              <a:t>Module 3</a:t>
             </a:r>
             <a:r>
               <a:rPr lang="en-GB" sz="2400" b="0" i="0">
@@ -3535,7 +3535,7 @@
         </p:nvSpPr>
         <p:spPr>
           <a:xfrm>
-            <a:off x="2159928" y="2743200"/>
+            <a:off x="2109962" y="2743200"/>
             <a:ext cx="7848600" cy="3631763"/>
           </a:xfrm>
           <a:prstGeom prst="rect">
@@ -3585,7 +3585,7 @@
             <a:pPr algn="ctr"/>
             <a:r>
               <a:rPr lang="en-US"/>
-              <a:t>https://dsgarage.netlify.app/bootcamp/0.1-bootcamp-intro/#anchor-4</a:t>
+              <a:t>https://dsgarage.netlify.app/bootcamp/0.1-bootcamp-intro/#anchor-6</a:t>
             </a:r>
           </a:p>
           <a:p>
